--- a/Software Development Workshop III/UI.pptx
+++ b/Software Development Workshop III/UI.pptx
@@ -247,7 +247,7 @@
           <a:p>
             <a:fld id="{0113C71B-700A-40DC-8AC8-D4D0A7A103C3}" type="datetimeFigureOut">
               <a:rPr lang="en-US" smtClean="0"/>
-              <a:t>3/25/2019</a:t>
+              <a:t>4/2/2019</a:t>
             </a:fld>
             <a:endParaRPr lang="en-US"/>
           </a:p>
@@ -410,7 +410,7 @@
           <a:p>
             <a:fld id="{0113C71B-700A-40DC-8AC8-D4D0A7A103C3}" type="datetimeFigureOut">
               <a:rPr lang="en-US" smtClean="0"/>
-              <a:t>3/25/2019</a:t>
+              <a:t>4/2/2019</a:t>
             </a:fld>
             <a:endParaRPr lang="en-US"/>
           </a:p>
@@ -583,7 +583,7 @@
           <a:p>
             <a:fld id="{0113C71B-700A-40DC-8AC8-D4D0A7A103C3}" type="datetimeFigureOut">
               <a:rPr lang="en-US" smtClean="0"/>
-              <a:t>3/25/2019</a:t>
+              <a:t>4/2/2019</a:t>
             </a:fld>
             <a:endParaRPr lang="en-US"/>
           </a:p>
@@ -746,7 +746,7 @@
           <a:p>
             <a:fld id="{0113C71B-700A-40DC-8AC8-D4D0A7A103C3}" type="datetimeFigureOut">
               <a:rPr lang="en-US" smtClean="0"/>
-              <a:t>3/25/2019</a:t>
+              <a:t>4/2/2019</a:t>
             </a:fld>
             <a:endParaRPr lang="en-US"/>
           </a:p>
@@ -986,7 +986,7 @@
           <a:p>
             <a:fld id="{0113C71B-700A-40DC-8AC8-D4D0A7A103C3}" type="datetimeFigureOut">
               <a:rPr lang="en-US" smtClean="0"/>
-              <a:t>3/25/2019</a:t>
+              <a:t>4/2/2019</a:t>
             </a:fld>
             <a:endParaRPr lang="en-US"/>
           </a:p>
@@ -1210,7 +1210,7 @@
           <a:p>
             <a:fld id="{0113C71B-700A-40DC-8AC8-D4D0A7A103C3}" type="datetimeFigureOut">
               <a:rPr lang="en-US" smtClean="0"/>
-              <a:t>3/25/2019</a:t>
+              <a:t>4/2/2019</a:t>
             </a:fld>
             <a:endParaRPr lang="en-US"/>
           </a:p>
@@ -1569,7 +1569,7 @@
           <a:p>
             <a:fld id="{0113C71B-700A-40DC-8AC8-D4D0A7A103C3}" type="datetimeFigureOut">
               <a:rPr lang="en-US" smtClean="0"/>
-              <a:t>3/25/2019</a:t>
+              <a:t>4/2/2019</a:t>
             </a:fld>
             <a:endParaRPr lang="en-US"/>
           </a:p>
@@ -1681,7 +1681,7 @@
           <a:p>
             <a:fld id="{0113C71B-700A-40DC-8AC8-D4D0A7A103C3}" type="datetimeFigureOut">
               <a:rPr lang="en-US" smtClean="0"/>
-              <a:t>3/25/2019</a:t>
+              <a:t>4/2/2019</a:t>
             </a:fld>
             <a:endParaRPr lang="en-US"/>
           </a:p>
@@ -1771,7 +1771,7 @@
           <a:p>
             <a:fld id="{0113C71B-700A-40DC-8AC8-D4D0A7A103C3}" type="datetimeFigureOut">
               <a:rPr lang="en-US" smtClean="0"/>
-              <a:t>3/25/2019</a:t>
+              <a:t>4/2/2019</a:t>
             </a:fld>
             <a:endParaRPr lang="en-US"/>
           </a:p>
@@ -2041,7 +2041,7 @@
           <a:p>
             <a:fld id="{0113C71B-700A-40DC-8AC8-D4D0A7A103C3}" type="datetimeFigureOut">
               <a:rPr lang="en-US" smtClean="0"/>
-              <a:t>3/25/2019</a:t>
+              <a:t>4/2/2019</a:t>
             </a:fld>
             <a:endParaRPr lang="en-US"/>
           </a:p>
@@ -2288,7 +2288,7 @@
           <a:p>
             <a:fld id="{0113C71B-700A-40DC-8AC8-D4D0A7A103C3}" type="datetimeFigureOut">
               <a:rPr lang="en-US" smtClean="0"/>
-              <a:t>3/25/2019</a:t>
+              <a:t>4/2/2019</a:t>
             </a:fld>
             <a:endParaRPr lang="en-US"/>
           </a:p>
@@ -2494,7 +2494,7 @@
           <a:p>
             <a:fld id="{0113C71B-700A-40DC-8AC8-D4D0A7A103C3}" type="datetimeFigureOut">
               <a:rPr lang="en-US" smtClean="0"/>
-              <a:t>3/25/2019</a:t>
+              <a:t>4/2/2019</a:t>
             </a:fld>
             <a:endParaRPr lang="en-US"/>
           </a:p>
@@ -12913,56 +12913,6 @@
       </p:sp>
       <p:sp>
         <p:nvSpPr>
-          <p:cNvPr id="108" name="Rectangle 107">
-            <a:extLst>
-              <a:ext uri="{FF2B5EF4-FFF2-40B4-BE49-F238E27FC236}">
-                <a16:creationId xmlns:a16="http://schemas.microsoft.com/office/drawing/2014/main" id="{087EDF71-1567-4C94-9E4B-CDDD78DDEED8}"/>
-              </a:ext>
-            </a:extLst>
-          </p:cNvPr>
-          <p:cNvSpPr/>
-          <p:nvPr/>
-        </p:nvSpPr>
-        <p:spPr>
-          <a:xfrm>
-            <a:off x="5127165" y="4837433"/>
-            <a:ext cx="2031122" cy="394016"/>
-          </a:xfrm>
-          <a:prstGeom prst="rect">
-            <a:avLst/>
-          </a:prstGeom>
-        </p:spPr>
-        <p:style>
-          <a:lnRef idx="2">
-            <a:schemeClr val="accent1">
-              <a:shade val="50000"/>
-            </a:schemeClr>
-          </a:lnRef>
-          <a:fillRef idx="1">
-            <a:schemeClr val="accent1"/>
-          </a:fillRef>
-          <a:effectRef idx="0">
-            <a:schemeClr val="accent1"/>
-          </a:effectRef>
-          <a:fontRef idx="minor">
-            <a:schemeClr val="lt1"/>
-          </a:fontRef>
-        </p:style>
-        <p:txBody>
-          <a:bodyPr rtlCol="0" anchor="ctr"/>
-          <a:lstStyle/>
-          <a:p>
-            <a:pPr algn="ctr"/>
-            <a:r>
-              <a:rPr lang="en-US" altLang="zh-CN" sz="2000" dirty="0"/>
-              <a:t>Back</a:t>
-            </a:r>
-            <a:endParaRPr lang="en-US" sz="2000" dirty="0"/>
-          </a:p>
-        </p:txBody>
-      </p:sp>
-      <p:sp>
-        <p:nvSpPr>
           <p:cNvPr id="109" name="Rectangle 108">
             <a:extLst>
               <a:ext uri="{FF2B5EF4-FFF2-40B4-BE49-F238E27FC236}">
@@ -13886,6 +13836,106 @@
         <p:spPr>
           <a:xfrm>
             <a:off x="2328369" y="4826514"/>
+            <a:ext cx="1448885" cy="394016"/>
+          </a:xfrm>
+          <a:prstGeom prst="rect">
+            <a:avLst/>
+          </a:prstGeom>
+        </p:spPr>
+        <p:style>
+          <a:lnRef idx="2">
+            <a:schemeClr val="accent1">
+              <a:shade val="50000"/>
+            </a:schemeClr>
+          </a:lnRef>
+          <a:fillRef idx="1">
+            <a:schemeClr val="accent1"/>
+          </a:fillRef>
+          <a:effectRef idx="0">
+            <a:schemeClr val="accent1"/>
+          </a:effectRef>
+          <a:fontRef idx="minor">
+            <a:schemeClr val="lt1"/>
+          </a:fontRef>
+        </p:style>
+        <p:txBody>
+          <a:bodyPr rtlCol="0" anchor="ctr"/>
+          <a:lstStyle/>
+          <a:p>
+            <a:pPr algn="ctr"/>
+            <a:r>
+              <a:rPr lang="en-US" altLang="zh-CN" sz="2000" dirty="0"/>
+              <a:t>Back</a:t>
+            </a:r>
+            <a:endParaRPr lang="en-US" sz="2000" dirty="0"/>
+          </a:p>
+        </p:txBody>
+      </p:sp>
+      <p:sp>
+        <p:nvSpPr>
+          <p:cNvPr id="66" name="Rectangle 65">
+            <a:extLst>
+              <a:ext uri="{FF2B5EF4-FFF2-40B4-BE49-F238E27FC236}">
+                <a16:creationId xmlns:a16="http://schemas.microsoft.com/office/drawing/2014/main" id="{6E88B6CB-D24E-401A-B4B9-62E8DA2AE250}"/>
+              </a:ext>
+            </a:extLst>
+          </p:cNvPr>
+          <p:cNvSpPr/>
+          <p:nvPr/>
+        </p:nvSpPr>
+        <p:spPr>
+          <a:xfrm>
+            <a:off x="4428726" y="4810512"/>
+            <a:ext cx="1448885" cy="394016"/>
+          </a:xfrm>
+          <a:prstGeom prst="rect">
+            <a:avLst/>
+          </a:prstGeom>
+        </p:spPr>
+        <p:style>
+          <a:lnRef idx="2">
+            <a:schemeClr val="accent1">
+              <a:shade val="50000"/>
+            </a:schemeClr>
+          </a:lnRef>
+          <a:fillRef idx="1">
+            <a:schemeClr val="accent1"/>
+          </a:fillRef>
+          <a:effectRef idx="0">
+            <a:schemeClr val="accent1"/>
+          </a:effectRef>
+          <a:fontRef idx="minor">
+            <a:schemeClr val="lt1"/>
+          </a:fontRef>
+        </p:style>
+        <p:txBody>
+          <a:bodyPr rtlCol="0" anchor="ctr"/>
+          <a:lstStyle/>
+          <a:p>
+            <a:pPr algn="ctr"/>
+            <a:r>
+              <a:rPr lang="en-US" altLang="zh-CN" sz="2000" dirty="0"/>
+              <a:t>Buy All</a:t>
+            </a:r>
+            <a:endParaRPr lang="en-US" sz="2000" dirty="0"/>
+          </a:p>
+        </p:txBody>
+      </p:sp>
+      <p:sp>
+        <p:nvSpPr>
+          <p:cNvPr id="68" name="Rectangle 67">
+            <a:extLst>
+              <a:ext uri="{FF2B5EF4-FFF2-40B4-BE49-F238E27FC236}">
+                <a16:creationId xmlns:a16="http://schemas.microsoft.com/office/drawing/2014/main" id="{6FD169ED-B5A9-478F-B946-653B0208F160}"/>
+              </a:ext>
+            </a:extLst>
+          </p:cNvPr>
+          <p:cNvSpPr/>
+          <p:nvPr/>
+        </p:nvSpPr>
+        <p:spPr>
+          <a:xfrm>
+            <a:off x="6412483" y="4810512"/>
             <a:ext cx="1448885" cy="394016"/>
           </a:xfrm>
           <a:prstGeom prst="rect">
@@ -15063,8 +15113,13 @@
             </a:r>
             <a:r>
               <a:rPr lang="en-US" sz="2400" dirty="0"/>
-              <a:t> Amount</a:t>
-            </a:r>
+              <a:t> </a:t>
+            </a:r>
+            <a:r>
+              <a:rPr lang="en-US" altLang="zh-CN" sz="2400" dirty="0"/>
+              <a:t>Capacity</a:t>
+            </a:r>
+            <a:endParaRPr lang="en-US" sz="2400" dirty="0"/>
           </a:p>
         </p:txBody>
       </p:sp>
@@ -16631,6 +16686,1467 @@
             <a:r>
               <a:rPr lang="en-US" altLang="zh-CN" sz="2400" dirty="0"/>
               <a:t>Confirm Brewing Ingredients</a:t>
+            </a:r>
+            <a:endParaRPr lang="en-US" sz="2400" dirty="0"/>
+          </a:p>
+        </p:txBody>
+      </p:sp>
+      <p:sp>
+        <p:nvSpPr>
+          <p:cNvPr id="25" name="Rectangle 24">
+            <a:extLst>
+              <a:ext uri="{FF2B5EF4-FFF2-40B4-BE49-F238E27FC236}">
+                <a16:creationId xmlns:a16="http://schemas.microsoft.com/office/drawing/2014/main" id="{138A7185-1FCB-4497-905A-99F11419FEAB}"/>
+              </a:ext>
+            </a:extLst>
+          </p:cNvPr>
+          <p:cNvSpPr/>
+          <p:nvPr/>
+        </p:nvSpPr>
+        <p:spPr>
+          <a:xfrm>
+            <a:off x="8397029" y="532972"/>
+            <a:ext cx="3642941" cy="651429"/>
+          </a:xfrm>
+          <a:prstGeom prst="rect">
+            <a:avLst/>
+          </a:prstGeom>
+        </p:spPr>
+        <p:style>
+          <a:lnRef idx="2">
+            <a:schemeClr val="accent1">
+              <a:shade val="50000"/>
+            </a:schemeClr>
+          </a:lnRef>
+          <a:fillRef idx="1">
+            <a:schemeClr val="accent1"/>
+          </a:fillRef>
+          <a:effectRef idx="0">
+            <a:schemeClr val="accent1"/>
+          </a:effectRef>
+          <a:fontRef idx="minor">
+            <a:schemeClr val="lt1"/>
+          </a:fontRef>
+        </p:style>
+        <p:txBody>
+          <a:bodyPr rtlCol="0" anchor="ctr"/>
+          <a:lstStyle/>
+          <a:p>
+            <a:pPr algn="ctr"/>
+            <a:r>
+              <a:rPr lang="en-US" altLang="zh-CN" sz="2400" dirty="0"/>
+              <a:t>Main Page</a:t>
+            </a:r>
+            <a:endParaRPr lang="en-US" sz="2400" dirty="0"/>
+          </a:p>
+        </p:txBody>
+      </p:sp>
+      <p:sp>
+        <p:nvSpPr>
+          <p:cNvPr id="26" name="Rectangle 25">
+            <a:extLst>
+              <a:ext uri="{FF2B5EF4-FFF2-40B4-BE49-F238E27FC236}">
+                <a16:creationId xmlns:a16="http://schemas.microsoft.com/office/drawing/2014/main" id="{C2D095F7-FEF2-437E-9108-8E9E468DABA5}"/>
+              </a:ext>
+            </a:extLst>
+          </p:cNvPr>
+          <p:cNvSpPr/>
+          <p:nvPr/>
+        </p:nvSpPr>
+        <p:spPr>
+          <a:xfrm>
+            <a:off x="8604465" y="1378844"/>
+            <a:ext cx="3259394" cy="651429"/>
+          </a:xfrm>
+          <a:prstGeom prst="rect">
+            <a:avLst/>
+          </a:prstGeom>
+        </p:spPr>
+        <p:style>
+          <a:lnRef idx="2">
+            <a:schemeClr val="accent1">
+              <a:shade val="50000"/>
+            </a:schemeClr>
+          </a:lnRef>
+          <a:fillRef idx="1">
+            <a:schemeClr val="accent1"/>
+          </a:fillRef>
+          <a:effectRef idx="0">
+            <a:schemeClr val="accent1"/>
+          </a:effectRef>
+          <a:fontRef idx="minor">
+            <a:schemeClr val="lt1"/>
+          </a:fontRef>
+        </p:style>
+        <p:txBody>
+          <a:bodyPr rtlCol="0" anchor="ctr"/>
+          <a:lstStyle/>
+          <a:p>
+            <a:pPr algn="ctr"/>
+            <a:r>
+              <a:rPr lang="en-US" sz="2400" dirty="0"/>
+              <a:t>Recipe 1</a:t>
+            </a:r>
+          </a:p>
+        </p:txBody>
+      </p:sp>
+      <p:sp>
+        <p:nvSpPr>
+          <p:cNvPr id="27" name="Rectangle 26">
+            <a:extLst>
+              <a:ext uri="{FF2B5EF4-FFF2-40B4-BE49-F238E27FC236}">
+                <a16:creationId xmlns:a16="http://schemas.microsoft.com/office/drawing/2014/main" id="{1862762F-AEB2-46EC-8135-B57882CB0E5F}"/>
+              </a:ext>
+            </a:extLst>
+          </p:cNvPr>
+          <p:cNvSpPr/>
+          <p:nvPr/>
+        </p:nvSpPr>
+        <p:spPr>
+          <a:xfrm>
+            <a:off x="8602995" y="2224716"/>
+            <a:ext cx="3259394" cy="651429"/>
+          </a:xfrm>
+          <a:prstGeom prst="rect">
+            <a:avLst/>
+          </a:prstGeom>
+        </p:spPr>
+        <p:style>
+          <a:lnRef idx="2">
+            <a:schemeClr val="accent1">
+              <a:shade val="50000"/>
+            </a:schemeClr>
+          </a:lnRef>
+          <a:fillRef idx="1">
+            <a:schemeClr val="accent1"/>
+          </a:fillRef>
+          <a:effectRef idx="0">
+            <a:schemeClr val="accent1"/>
+          </a:effectRef>
+          <a:fontRef idx="minor">
+            <a:schemeClr val="lt1"/>
+          </a:fontRef>
+        </p:style>
+        <p:txBody>
+          <a:bodyPr rtlCol="0" anchor="ctr"/>
+          <a:lstStyle/>
+          <a:p>
+            <a:pPr algn="ctr"/>
+            <a:r>
+              <a:rPr lang="en-US" sz="2400" dirty="0"/>
+              <a:t>Recipe 2</a:t>
+            </a:r>
+          </a:p>
+        </p:txBody>
+      </p:sp>
+      <p:sp>
+        <p:nvSpPr>
+          <p:cNvPr id="28" name="Rectangle 27">
+            <a:extLst>
+              <a:ext uri="{FF2B5EF4-FFF2-40B4-BE49-F238E27FC236}">
+                <a16:creationId xmlns:a16="http://schemas.microsoft.com/office/drawing/2014/main" id="{EEDE9133-1A12-410E-A1C0-D5FDF1D8A0D6}"/>
+              </a:ext>
+            </a:extLst>
+          </p:cNvPr>
+          <p:cNvSpPr/>
+          <p:nvPr/>
+        </p:nvSpPr>
+        <p:spPr>
+          <a:xfrm>
+            <a:off x="8602995" y="3070588"/>
+            <a:ext cx="3259394" cy="651429"/>
+          </a:xfrm>
+          <a:prstGeom prst="rect">
+            <a:avLst/>
+          </a:prstGeom>
+        </p:spPr>
+        <p:style>
+          <a:lnRef idx="2">
+            <a:schemeClr val="accent1">
+              <a:shade val="50000"/>
+            </a:schemeClr>
+          </a:lnRef>
+          <a:fillRef idx="1">
+            <a:schemeClr val="accent1"/>
+          </a:fillRef>
+          <a:effectRef idx="0">
+            <a:schemeClr val="accent1"/>
+          </a:effectRef>
+          <a:fontRef idx="minor">
+            <a:schemeClr val="lt1"/>
+          </a:fontRef>
+        </p:style>
+        <p:txBody>
+          <a:bodyPr rtlCol="0" anchor="ctr"/>
+          <a:lstStyle/>
+          <a:p>
+            <a:pPr algn="ctr"/>
+            <a:r>
+              <a:rPr lang="en-US" sz="2400" dirty="0"/>
+              <a:t>Recipe 3</a:t>
+            </a:r>
+          </a:p>
+        </p:txBody>
+      </p:sp>
+      <p:sp>
+        <p:nvSpPr>
+          <p:cNvPr id="29" name="Rectangle 28">
+            <a:extLst>
+              <a:ext uri="{FF2B5EF4-FFF2-40B4-BE49-F238E27FC236}">
+                <a16:creationId xmlns:a16="http://schemas.microsoft.com/office/drawing/2014/main" id="{A2261B79-626C-4638-A6D4-2F7A94D93680}"/>
+              </a:ext>
+            </a:extLst>
+          </p:cNvPr>
+          <p:cNvSpPr/>
+          <p:nvPr/>
+        </p:nvSpPr>
+        <p:spPr>
+          <a:xfrm>
+            <a:off x="8604627" y="3916460"/>
+            <a:ext cx="3257762" cy="651429"/>
+          </a:xfrm>
+          <a:prstGeom prst="rect">
+            <a:avLst/>
+          </a:prstGeom>
+        </p:spPr>
+        <p:style>
+          <a:lnRef idx="2">
+            <a:schemeClr val="accent1">
+              <a:shade val="50000"/>
+            </a:schemeClr>
+          </a:lnRef>
+          <a:fillRef idx="1">
+            <a:schemeClr val="accent1"/>
+          </a:fillRef>
+          <a:effectRef idx="0">
+            <a:schemeClr val="accent1"/>
+          </a:effectRef>
+          <a:fontRef idx="minor">
+            <a:schemeClr val="lt1"/>
+          </a:fontRef>
+        </p:style>
+        <p:txBody>
+          <a:bodyPr rtlCol="0" anchor="ctr"/>
+          <a:lstStyle/>
+          <a:p>
+            <a:pPr algn="ctr"/>
+            <a:r>
+              <a:rPr lang="en-US" sz="2400" dirty="0"/>
+              <a:t>Etc.</a:t>
+            </a:r>
+          </a:p>
+        </p:txBody>
+      </p:sp>
+      <p:sp>
+        <p:nvSpPr>
+          <p:cNvPr id="30" name="Rectangle 29">
+            <a:extLst>
+              <a:ext uri="{FF2B5EF4-FFF2-40B4-BE49-F238E27FC236}">
+                <a16:creationId xmlns:a16="http://schemas.microsoft.com/office/drawing/2014/main" id="{7FE7490C-3EC2-405A-8547-28314684C1D2}"/>
+              </a:ext>
+            </a:extLst>
+          </p:cNvPr>
+          <p:cNvSpPr/>
+          <p:nvPr/>
+        </p:nvSpPr>
+        <p:spPr>
+          <a:xfrm>
+            <a:off x="11936779" y="-886"/>
+            <a:ext cx="254977" cy="140677"/>
+          </a:xfrm>
+          <a:prstGeom prst="rect">
+            <a:avLst/>
+          </a:prstGeom>
+          <a:solidFill>
+            <a:srgbClr val="FF0000"/>
+          </a:solidFill>
+        </p:spPr>
+        <p:style>
+          <a:lnRef idx="2">
+            <a:schemeClr val="accent1">
+              <a:shade val="50000"/>
+            </a:schemeClr>
+          </a:lnRef>
+          <a:fillRef idx="1">
+            <a:schemeClr val="accent1"/>
+          </a:fillRef>
+          <a:effectRef idx="0">
+            <a:schemeClr val="accent1"/>
+          </a:effectRef>
+          <a:fontRef idx="minor">
+            <a:schemeClr val="lt1"/>
+          </a:fontRef>
+        </p:style>
+        <p:txBody>
+          <a:bodyPr rtlCol="0" anchor="ctr"/>
+          <a:lstStyle/>
+          <a:p>
+            <a:pPr algn="ctr"/>
+            <a:endParaRPr lang="en-US" sz="2400"/>
+          </a:p>
+        </p:txBody>
+      </p:sp>
+      <p:sp>
+        <p:nvSpPr>
+          <p:cNvPr id="31" name="Rectangle 30">
+            <a:extLst>
+              <a:ext uri="{FF2B5EF4-FFF2-40B4-BE49-F238E27FC236}">
+                <a16:creationId xmlns:a16="http://schemas.microsoft.com/office/drawing/2014/main" id="{1BDFE021-5F4D-4D7E-9299-7B72B80DBF39}"/>
+              </a:ext>
+            </a:extLst>
+          </p:cNvPr>
+          <p:cNvSpPr/>
+          <p:nvPr/>
+        </p:nvSpPr>
+        <p:spPr>
+          <a:xfrm>
+            <a:off x="11432954" y="-886"/>
+            <a:ext cx="254977" cy="140677"/>
+          </a:xfrm>
+          <a:prstGeom prst="rect">
+            <a:avLst/>
+          </a:prstGeom>
+          <a:solidFill>
+            <a:srgbClr val="00B0F0"/>
+          </a:solidFill>
+        </p:spPr>
+        <p:style>
+          <a:lnRef idx="2">
+            <a:schemeClr val="accent1">
+              <a:shade val="50000"/>
+            </a:schemeClr>
+          </a:lnRef>
+          <a:fillRef idx="1">
+            <a:schemeClr val="accent1"/>
+          </a:fillRef>
+          <a:effectRef idx="0">
+            <a:schemeClr val="accent1"/>
+          </a:effectRef>
+          <a:fontRef idx="minor">
+            <a:schemeClr val="lt1"/>
+          </a:fontRef>
+        </p:style>
+        <p:txBody>
+          <a:bodyPr rtlCol="0" anchor="ctr"/>
+          <a:lstStyle/>
+          <a:p>
+            <a:pPr algn="ctr"/>
+            <a:endParaRPr lang="en-US" sz="2400"/>
+          </a:p>
+        </p:txBody>
+      </p:sp>
+      <p:sp>
+        <p:nvSpPr>
+          <p:cNvPr id="32" name="Rectangle 31">
+            <a:extLst>
+              <a:ext uri="{FF2B5EF4-FFF2-40B4-BE49-F238E27FC236}">
+                <a16:creationId xmlns:a16="http://schemas.microsoft.com/office/drawing/2014/main" id="{3E31B48D-10B1-4EBA-BF0E-D07B96D93E1C}"/>
+              </a:ext>
+            </a:extLst>
+          </p:cNvPr>
+          <p:cNvSpPr/>
+          <p:nvPr/>
+        </p:nvSpPr>
+        <p:spPr>
+          <a:xfrm>
+            <a:off x="11696357" y="-886"/>
+            <a:ext cx="254977" cy="140677"/>
+          </a:xfrm>
+          <a:prstGeom prst="rect">
+            <a:avLst/>
+          </a:prstGeom>
+          <a:solidFill>
+            <a:srgbClr val="00B0F0"/>
+          </a:solidFill>
+        </p:spPr>
+        <p:style>
+          <a:lnRef idx="2">
+            <a:schemeClr val="accent1">
+              <a:shade val="50000"/>
+            </a:schemeClr>
+          </a:lnRef>
+          <a:fillRef idx="1">
+            <a:schemeClr val="accent1"/>
+          </a:fillRef>
+          <a:effectRef idx="0">
+            <a:schemeClr val="accent1"/>
+          </a:effectRef>
+          <a:fontRef idx="minor">
+            <a:schemeClr val="lt1"/>
+          </a:fontRef>
+        </p:style>
+        <p:txBody>
+          <a:bodyPr rtlCol="0" anchor="ctr"/>
+          <a:lstStyle/>
+          <a:p>
+            <a:pPr algn="ctr"/>
+            <a:endParaRPr lang="en-US" sz="2400" dirty="0"/>
+          </a:p>
+        </p:txBody>
+      </p:sp>
+      <p:sp>
+        <p:nvSpPr>
+          <p:cNvPr id="33" name="Rectangle 32">
+            <a:extLst>
+              <a:ext uri="{FF2B5EF4-FFF2-40B4-BE49-F238E27FC236}">
+                <a16:creationId xmlns:a16="http://schemas.microsoft.com/office/drawing/2014/main" id="{1EAD91D4-5E43-42B5-94DE-C7235C4A66FA}"/>
+              </a:ext>
+            </a:extLst>
+          </p:cNvPr>
+          <p:cNvSpPr/>
+          <p:nvPr/>
+        </p:nvSpPr>
+        <p:spPr>
+          <a:xfrm>
+            <a:off x="8397029" y="4801222"/>
+            <a:ext cx="1425821" cy="394016"/>
+          </a:xfrm>
+          <a:prstGeom prst="rect">
+            <a:avLst/>
+          </a:prstGeom>
+        </p:spPr>
+        <p:style>
+          <a:lnRef idx="2">
+            <a:schemeClr val="accent1">
+              <a:shade val="50000"/>
+            </a:schemeClr>
+          </a:lnRef>
+          <a:fillRef idx="1">
+            <a:schemeClr val="accent1"/>
+          </a:fillRef>
+          <a:effectRef idx="0">
+            <a:schemeClr val="accent1"/>
+          </a:effectRef>
+          <a:fontRef idx="minor">
+            <a:schemeClr val="lt1"/>
+          </a:fontRef>
+        </p:style>
+        <p:txBody>
+          <a:bodyPr rtlCol="0" anchor="ctr"/>
+          <a:lstStyle/>
+          <a:p>
+            <a:pPr algn="ctr"/>
+            <a:r>
+              <a:rPr lang="en-US" sz="2000" dirty="0"/>
+              <a:t>Quit</a:t>
+            </a:r>
+          </a:p>
+        </p:txBody>
+      </p:sp>
+      <p:sp>
+        <p:nvSpPr>
+          <p:cNvPr id="34" name="Rectangle 33">
+            <a:extLst>
+              <a:ext uri="{FF2B5EF4-FFF2-40B4-BE49-F238E27FC236}">
+                <a16:creationId xmlns:a16="http://schemas.microsoft.com/office/drawing/2014/main" id="{82612CA9-C2E9-4DA4-B6A0-4002FA17E0A0}"/>
+              </a:ext>
+            </a:extLst>
+          </p:cNvPr>
+          <p:cNvSpPr/>
+          <p:nvPr/>
+        </p:nvSpPr>
+        <p:spPr>
+          <a:xfrm>
+            <a:off x="10614149" y="4813261"/>
+            <a:ext cx="1425821" cy="394016"/>
+          </a:xfrm>
+          <a:prstGeom prst="rect">
+            <a:avLst/>
+          </a:prstGeom>
+        </p:spPr>
+        <p:style>
+          <a:lnRef idx="2">
+            <a:schemeClr val="accent1">
+              <a:shade val="50000"/>
+            </a:schemeClr>
+          </a:lnRef>
+          <a:fillRef idx="1">
+            <a:schemeClr val="accent1"/>
+          </a:fillRef>
+          <a:effectRef idx="0">
+            <a:schemeClr val="accent1"/>
+          </a:effectRef>
+          <a:fontRef idx="minor">
+            <a:schemeClr val="lt1"/>
+          </a:fontRef>
+        </p:style>
+        <p:txBody>
+          <a:bodyPr rtlCol="0" anchor="ctr"/>
+          <a:lstStyle/>
+          <a:p>
+            <a:pPr algn="ctr"/>
+            <a:r>
+              <a:rPr lang="en-US" altLang="zh-CN" sz="2000" dirty="0"/>
+              <a:t>Add</a:t>
+            </a:r>
+            <a:endParaRPr lang="en-US" sz="2000" dirty="0"/>
+          </a:p>
+        </p:txBody>
+      </p:sp>
+      <p:sp>
+        <p:nvSpPr>
+          <p:cNvPr id="35" name="Rectangle 34">
+            <a:extLst>
+              <a:ext uri="{FF2B5EF4-FFF2-40B4-BE49-F238E27FC236}">
+                <a16:creationId xmlns:a16="http://schemas.microsoft.com/office/drawing/2014/main" id="{41A1154C-61BA-4673-9D41-EE1D5AF2D71A}"/>
+              </a:ext>
+            </a:extLst>
+          </p:cNvPr>
+          <p:cNvSpPr/>
+          <p:nvPr/>
+        </p:nvSpPr>
+        <p:spPr>
+          <a:xfrm>
+            <a:off x="8204322" y="-13253"/>
+            <a:ext cx="3987434" cy="360738"/>
+          </a:xfrm>
+          <a:prstGeom prst="rect">
+            <a:avLst/>
+          </a:prstGeom>
+        </p:spPr>
+        <p:style>
+          <a:lnRef idx="2">
+            <a:schemeClr val="accent1">
+              <a:shade val="50000"/>
+            </a:schemeClr>
+          </a:lnRef>
+          <a:fillRef idx="1">
+            <a:schemeClr val="accent1"/>
+          </a:fillRef>
+          <a:effectRef idx="0">
+            <a:schemeClr val="accent1"/>
+          </a:effectRef>
+          <a:fontRef idx="minor">
+            <a:schemeClr val="lt1"/>
+          </a:fontRef>
+        </p:style>
+        <p:txBody>
+          <a:bodyPr rtlCol="0" anchor="ctr"/>
+          <a:lstStyle/>
+          <a:p>
+            <a:pPr algn="ctr"/>
+            <a:r>
+              <a:rPr lang="en-US" sz="2000" dirty="0"/>
+              <a:t>Brew Day!</a:t>
+            </a:r>
+          </a:p>
+        </p:txBody>
+      </p:sp>
+      <p:sp>
+        <p:nvSpPr>
+          <p:cNvPr id="36" name="Rectangle 35">
+            <a:extLst>
+              <a:ext uri="{FF2B5EF4-FFF2-40B4-BE49-F238E27FC236}">
+                <a16:creationId xmlns:a16="http://schemas.microsoft.com/office/drawing/2014/main" id="{F95FD312-ED33-4EF5-88C0-5D48B7F09F00}"/>
+              </a:ext>
+            </a:extLst>
+          </p:cNvPr>
+          <p:cNvSpPr/>
+          <p:nvPr/>
+        </p:nvSpPr>
+        <p:spPr>
+          <a:xfrm>
+            <a:off x="8200512" y="360738"/>
+            <a:ext cx="3987434" cy="5091912"/>
+          </a:xfrm>
+          <a:prstGeom prst="rect">
+            <a:avLst/>
+          </a:prstGeom>
+          <a:solidFill>
+            <a:schemeClr val="accent1">
+              <a:lumMod val="40000"/>
+              <a:lumOff val="60000"/>
+            </a:schemeClr>
+          </a:solidFill>
+        </p:spPr>
+        <p:style>
+          <a:lnRef idx="2">
+            <a:schemeClr val="accent1">
+              <a:shade val="50000"/>
+            </a:schemeClr>
+          </a:lnRef>
+          <a:fillRef idx="1">
+            <a:schemeClr val="accent1"/>
+          </a:fillRef>
+          <a:effectRef idx="0">
+            <a:schemeClr val="accent1"/>
+          </a:effectRef>
+          <a:fontRef idx="minor">
+            <a:schemeClr val="lt1"/>
+          </a:fontRef>
+        </p:style>
+        <p:txBody>
+          <a:bodyPr rtlCol="0" anchor="ctr"/>
+          <a:lstStyle/>
+          <a:p>
+            <a:pPr algn="ctr"/>
+            <a:endParaRPr lang="en-US" sz="2400"/>
+          </a:p>
+        </p:txBody>
+      </p:sp>
+      <p:sp>
+        <p:nvSpPr>
+          <p:cNvPr id="37" name="Rectangle 36">
+            <a:extLst>
+              <a:ext uri="{FF2B5EF4-FFF2-40B4-BE49-F238E27FC236}">
+                <a16:creationId xmlns:a16="http://schemas.microsoft.com/office/drawing/2014/main" id="{427956A1-1CAF-4ACF-9438-E7B0C62B3B41}"/>
+              </a:ext>
+            </a:extLst>
+          </p:cNvPr>
+          <p:cNvSpPr/>
+          <p:nvPr/>
+        </p:nvSpPr>
+        <p:spPr>
+          <a:xfrm>
+            <a:off x="8412802" y="532972"/>
+            <a:ext cx="3642941" cy="651429"/>
+          </a:xfrm>
+          <a:prstGeom prst="rect">
+            <a:avLst/>
+          </a:prstGeom>
+        </p:spPr>
+        <p:style>
+          <a:lnRef idx="2">
+            <a:schemeClr val="accent1">
+              <a:shade val="50000"/>
+            </a:schemeClr>
+          </a:lnRef>
+          <a:fillRef idx="1">
+            <a:schemeClr val="accent1"/>
+          </a:fillRef>
+          <a:effectRef idx="0">
+            <a:schemeClr val="accent1"/>
+          </a:effectRef>
+          <a:fontRef idx="minor">
+            <a:schemeClr val="lt1"/>
+          </a:fontRef>
+        </p:style>
+        <p:txBody>
+          <a:bodyPr rtlCol="0" anchor="ctr"/>
+          <a:lstStyle/>
+          <a:p>
+            <a:pPr algn="ctr"/>
+            <a:r>
+              <a:rPr lang="en-US" altLang="zh-CN" sz="2400" dirty="0"/>
+              <a:t>Shopping List</a:t>
+            </a:r>
+            <a:endParaRPr lang="en-US" sz="2400" dirty="0"/>
+          </a:p>
+        </p:txBody>
+      </p:sp>
+      <p:sp>
+        <p:nvSpPr>
+          <p:cNvPr id="38" name="Rectangle 37">
+            <a:extLst>
+              <a:ext uri="{FF2B5EF4-FFF2-40B4-BE49-F238E27FC236}">
+                <a16:creationId xmlns:a16="http://schemas.microsoft.com/office/drawing/2014/main" id="{3A0F7BE5-5E66-40D9-BD4B-21198665BC6F}"/>
+              </a:ext>
+            </a:extLst>
+          </p:cNvPr>
+          <p:cNvSpPr/>
+          <p:nvPr/>
+        </p:nvSpPr>
+        <p:spPr>
+          <a:xfrm>
+            <a:off x="8620238" y="1378844"/>
+            <a:ext cx="2062787" cy="651429"/>
+          </a:xfrm>
+          <a:prstGeom prst="rect">
+            <a:avLst/>
+          </a:prstGeom>
+        </p:spPr>
+        <p:style>
+          <a:lnRef idx="2">
+            <a:schemeClr val="accent1">
+              <a:shade val="50000"/>
+            </a:schemeClr>
+          </a:lnRef>
+          <a:fillRef idx="1">
+            <a:schemeClr val="accent1"/>
+          </a:fillRef>
+          <a:effectRef idx="0">
+            <a:schemeClr val="accent1"/>
+          </a:effectRef>
+          <a:fontRef idx="minor">
+            <a:schemeClr val="lt1"/>
+          </a:fontRef>
+        </p:style>
+        <p:txBody>
+          <a:bodyPr rtlCol="0" anchor="ctr"/>
+          <a:lstStyle/>
+          <a:p>
+            <a:pPr algn="ctr"/>
+            <a:r>
+              <a:rPr lang="en-US" sz="2400" dirty="0"/>
+              <a:t>…</a:t>
+            </a:r>
+          </a:p>
+        </p:txBody>
+      </p:sp>
+      <p:sp>
+        <p:nvSpPr>
+          <p:cNvPr id="42" name="Rectangle 41">
+            <a:extLst>
+              <a:ext uri="{FF2B5EF4-FFF2-40B4-BE49-F238E27FC236}">
+                <a16:creationId xmlns:a16="http://schemas.microsoft.com/office/drawing/2014/main" id="{85CA61A2-66A0-40B7-B6B2-E65434F26431}"/>
+              </a:ext>
+            </a:extLst>
+          </p:cNvPr>
+          <p:cNvSpPr/>
+          <p:nvPr/>
+        </p:nvSpPr>
+        <p:spPr>
+          <a:xfrm>
+            <a:off x="11939300" y="-886"/>
+            <a:ext cx="254977" cy="140677"/>
+          </a:xfrm>
+          <a:prstGeom prst="rect">
+            <a:avLst/>
+          </a:prstGeom>
+          <a:solidFill>
+            <a:srgbClr val="FF0000"/>
+          </a:solidFill>
+        </p:spPr>
+        <p:style>
+          <a:lnRef idx="2">
+            <a:schemeClr val="accent1">
+              <a:shade val="50000"/>
+            </a:schemeClr>
+          </a:lnRef>
+          <a:fillRef idx="1">
+            <a:schemeClr val="accent1"/>
+          </a:fillRef>
+          <a:effectRef idx="0">
+            <a:schemeClr val="accent1"/>
+          </a:effectRef>
+          <a:fontRef idx="minor">
+            <a:schemeClr val="lt1"/>
+          </a:fontRef>
+        </p:style>
+        <p:txBody>
+          <a:bodyPr rtlCol="0" anchor="ctr"/>
+          <a:lstStyle/>
+          <a:p>
+            <a:pPr algn="ctr"/>
+            <a:endParaRPr lang="en-US" sz="2400"/>
+          </a:p>
+        </p:txBody>
+      </p:sp>
+      <p:sp>
+        <p:nvSpPr>
+          <p:cNvPr id="43" name="Rectangle 42">
+            <a:extLst>
+              <a:ext uri="{FF2B5EF4-FFF2-40B4-BE49-F238E27FC236}">
+                <a16:creationId xmlns:a16="http://schemas.microsoft.com/office/drawing/2014/main" id="{37A0D5A2-C071-4A68-B574-F422A0808B00}"/>
+              </a:ext>
+            </a:extLst>
+          </p:cNvPr>
+          <p:cNvSpPr/>
+          <p:nvPr/>
+        </p:nvSpPr>
+        <p:spPr>
+          <a:xfrm>
+            <a:off x="11435475" y="-886"/>
+            <a:ext cx="254977" cy="140677"/>
+          </a:xfrm>
+          <a:prstGeom prst="rect">
+            <a:avLst/>
+          </a:prstGeom>
+          <a:solidFill>
+            <a:srgbClr val="00B0F0"/>
+          </a:solidFill>
+        </p:spPr>
+        <p:style>
+          <a:lnRef idx="2">
+            <a:schemeClr val="accent1">
+              <a:shade val="50000"/>
+            </a:schemeClr>
+          </a:lnRef>
+          <a:fillRef idx="1">
+            <a:schemeClr val="accent1"/>
+          </a:fillRef>
+          <a:effectRef idx="0">
+            <a:schemeClr val="accent1"/>
+          </a:effectRef>
+          <a:fontRef idx="minor">
+            <a:schemeClr val="lt1"/>
+          </a:fontRef>
+        </p:style>
+        <p:txBody>
+          <a:bodyPr rtlCol="0" anchor="ctr"/>
+          <a:lstStyle/>
+          <a:p>
+            <a:pPr algn="ctr"/>
+            <a:endParaRPr lang="en-US" sz="2400"/>
+          </a:p>
+        </p:txBody>
+      </p:sp>
+      <p:sp>
+        <p:nvSpPr>
+          <p:cNvPr id="44" name="Rectangle 43">
+            <a:extLst>
+              <a:ext uri="{FF2B5EF4-FFF2-40B4-BE49-F238E27FC236}">
+                <a16:creationId xmlns:a16="http://schemas.microsoft.com/office/drawing/2014/main" id="{82530BD7-4300-4EBF-B0BB-1EFFA7688FA8}"/>
+              </a:ext>
+            </a:extLst>
+          </p:cNvPr>
+          <p:cNvSpPr/>
+          <p:nvPr/>
+        </p:nvSpPr>
+        <p:spPr>
+          <a:xfrm>
+            <a:off x="11698878" y="-886"/>
+            <a:ext cx="254977" cy="140677"/>
+          </a:xfrm>
+          <a:prstGeom prst="rect">
+            <a:avLst/>
+          </a:prstGeom>
+          <a:solidFill>
+            <a:srgbClr val="00B0F0"/>
+          </a:solidFill>
+        </p:spPr>
+        <p:style>
+          <a:lnRef idx="2">
+            <a:schemeClr val="accent1">
+              <a:shade val="50000"/>
+            </a:schemeClr>
+          </a:lnRef>
+          <a:fillRef idx="1">
+            <a:schemeClr val="accent1"/>
+          </a:fillRef>
+          <a:effectRef idx="0">
+            <a:schemeClr val="accent1"/>
+          </a:effectRef>
+          <a:fontRef idx="minor">
+            <a:schemeClr val="lt1"/>
+          </a:fontRef>
+        </p:style>
+        <p:txBody>
+          <a:bodyPr rtlCol="0" anchor="ctr"/>
+          <a:lstStyle/>
+          <a:p>
+            <a:pPr algn="ctr"/>
+            <a:endParaRPr lang="en-US" sz="2400" dirty="0"/>
+          </a:p>
+        </p:txBody>
+      </p:sp>
+      <p:sp>
+        <p:nvSpPr>
+          <p:cNvPr id="46" name="Rectangle 45">
+            <a:extLst>
+              <a:ext uri="{FF2B5EF4-FFF2-40B4-BE49-F238E27FC236}">
+                <a16:creationId xmlns:a16="http://schemas.microsoft.com/office/drawing/2014/main" id="{A12013AC-36F2-4C4C-9D81-447436AF2829}"/>
+              </a:ext>
+            </a:extLst>
+          </p:cNvPr>
+          <p:cNvSpPr/>
+          <p:nvPr/>
+        </p:nvSpPr>
+        <p:spPr>
+          <a:xfrm>
+            <a:off x="9276782" y="4813261"/>
+            <a:ext cx="1834893" cy="394016"/>
+          </a:xfrm>
+          <a:prstGeom prst="rect">
+            <a:avLst/>
+          </a:prstGeom>
+        </p:spPr>
+        <p:style>
+          <a:lnRef idx="2">
+            <a:schemeClr val="accent1">
+              <a:shade val="50000"/>
+            </a:schemeClr>
+          </a:lnRef>
+          <a:fillRef idx="1">
+            <a:schemeClr val="accent1"/>
+          </a:fillRef>
+          <a:effectRef idx="0">
+            <a:schemeClr val="accent1"/>
+          </a:effectRef>
+          <a:fontRef idx="minor">
+            <a:schemeClr val="lt1"/>
+          </a:fontRef>
+        </p:style>
+        <p:txBody>
+          <a:bodyPr rtlCol="0" anchor="ctr"/>
+          <a:lstStyle/>
+          <a:p>
+            <a:pPr algn="ctr"/>
+            <a:r>
+              <a:rPr lang="en-US" altLang="zh-CN" sz="2000" dirty="0"/>
+              <a:t>Back</a:t>
+            </a:r>
+            <a:endParaRPr lang="en-US" sz="2000" dirty="0"/>
+          </a:p>
+        </p:txBody>
+      </p:sp>
+      <p:sp>
+        <p:nvSpPr>
+          <p:cNvPr id="47" name="Rectangle 46">
+            <a:extLst>
+              <a:ext uri="{FF2B5EF4-FFF2-40B4-BE49-F238E27FC236}">
+                <a16:creationId xmlns:a16="http://schemas.microsoft.com/office/drawing/2014/main" id="{87A43D82-024F-4F53-ACCC-8FC31B383F96}"/>
+              </a:ext>
+            </a:extLst>
+          </p:cNvPr>
+          <p:cNvSpPr/>
+          <p:nvPr/>
+        </p:nvSpPr>
+        <p:spPr>
+          <a:xfrm>
+            <a:off x="11260903" y="1378843"/>
+            <a:ext cx="599078" cy="651429"/>
+          </a:xfrm>
+          <a:prstGeom prst="rect">
+            <a:avLst/>
+          </a:prstGeom>
+        </p:spPr>
+        <p:style>
+          <a:lnRef idx="2">
+            <a:schemeClr val="accent1">
+              <a:shade val="50000"/>
+            </a:schemeClr>
+          </a:lnRef>
+          <a:fillRef idx="1">
+            <a:schemeClr val="accent1"/>
+          </a:fillRef>
+          <a:effectRef idx="0">
+            <a:schemeClr val="accent1"/>
+          </a:effectRef>
+          <a:fontRef idx="minor">
+            <a:schemeClr val="lt1"/>
+          </a:fontRef>
+        </p:style>
+        <p:txBody>
+          <a:bodyPr rtlCol="0" anchor="ctr"/>
+          <a:lstStyle/>
+          <a:p>
+            <a:pPr algn="ctr"/>
+            <a:r>
+              <a:rPr lang="en-US" altLang="zh-CN" sz="2400" dirty="0"/>
+              <a:t>U.</a:t>
+            </a:r>
+            <a:endParaRPr lang="en-US" sz="2400" dirty="0"/>
+          </a:p>
+        </p:txBody>
+      </p:sp>
+      <p:sp>
+        <p:nvSpPr>
+          <p:cNvPr id="48" name="Rectangle 47">
+            <a:extLst>
+              <a:ext uri="{FF2B5EF4-FFF2-40B4-BE49-F238E27FC236}">
+                <a16:creationId xmlns:a16="http://schemas.microsoft.com/office/drawing/2014/main" id="{FCBBF2D2-1C31-4892-884F-791E443CBAAF}"/>
+              </a:ext>
+            </a:extLst>
+          </p:cNvPr>
+          <p:cNvSpPr/>
+          <p:nvPr/>
+        </p:nvSpPr>
+        <p:spPr>
+          <a:xfrm>
+            <a:off x="10686903" y="1378842"/>
+            <a:ext cx="599078" cy="651429"/>
+          </a:xfrm>
+          <a:prstGeom prst="rect">
+            <a:avLst/>
+          </a:prstGeom>
+        </p:spPr>
+        <p:style>
+          <a:lnRef idx="2">
+            <a:schemeClr val="accent1">
+              <a:shade val="50000"/>
+            </a:schemeClr>
+          </a:lnRef>
+          <a:fillRef idx="1">
+            <a:schemeClr val="accent1"/>
+          </a:fillRef>
+          <a:effectRef idx="0">
+            <a:schemeClr val="accent1"/>
+          </a:effectRef>
+          <a:fontRef idx="minor">
+            <a:schemeClr val="lt1"/>
+          </a:fontRef>
+        </p:style>
+        <p:txBody>
+          <a:bodyPr rtlCol="0" anchor="ctr"/>
+          <a:lstStyle/>
+          <a:p>
+            <a:pPr algn="ctr"/>
+            <a:endParaRPr lang="en-US" sz="2400" dirty="0"/>
+          </a:p>
+        </p:txBody>
+      </p:sp>
+      <p:sp>
+        <p:nvSpPr>
+          <p:cNvPr id="49" name="Rectangle 48">
+            <a:extLst>
+              <a:ext uri="{FF2B5EF4-FFF2-40B4-BE49-F238E27FC236}">
+                <a16:creationId xmlns:a16="http://schemas.microsoft.com/office/drawing/2014/main" id="{6D0A16F5-886D-4C7B-9256-BC7F55E147A6}"/>
+              </a:ext>
+            </a:extLst>
+          </p:cNvPr>
+          <p:cNvSpPr/>
+          <p:nvPr/>
+        </p:nvSpPr>
+        <p:spPr>
+          <a:xfrm>
+            <a:off x="8620238" y="2244158"/>
+            <a:ext cx="2062787" cy="651429"/>
+          </a:xfrm>
+          <a:prstGeom prst="rect">
+            <a:avLst/>
+          </a:prstGeom>
+        </p:spPr>
+        <p:style>
+          <a:lnRef idx="2">
+            <a:schemeClr val="accent1">
+              <a:shade val="50000"/>
+            </a:schemeClr>
+          </a:lnRef>
+          <a:fillRef idx="1">
+            <a:schemeClr val="accent1"/>
+          </a:fillRef>
+          <a:effectRef idx="0">
+            <a:schemeClr val="accent1"/>
+          </a:effectRef>
+          <a:fontRef idx="minor">
+            <a:schemeClr val="lt1"/>
+          </a:fontRef>
+        </p:style>
+        <p:txBody>
+          <a:bodyPr rtlCol="0" anchor="ctr"/>
+          <a:lstStyle/>
+          <a:p>
+            <a:pPr algn="ctr"/>
+            <a:r>
+              <a:rPr lang="en-US" sz="2400" dirty="0"/>
+              <a:t>…</a:t>
+            </a:r>
+          </a:p>
+        </p:txBody>
+      </p:sp>
+      <p:sp>
+        <p:nvSpPr>
+          <p:cNvPr id="50" name="Rectangle 49">
+            <a:extLst>
+              <a:ext uri="{FF2B5EF4-FFF2-40B4-BE49-F238E27FC236}">
+                <a16:creationId xmlns:a16="http://schemas.microsoft.com/office/drawing/2014/main" id="{C443A7C2-0FF5-4211-BDEA-AC8C4D2318E9}"/>
+              </a:ext>
+            </a:extLst>
+          </p:cNvPr>
+          <p:cNvSpPr/>
+          <p:nvPr/>
+        </p:nvSpPr>
+        <p:spPr>
+          <a:xfrm>
+            <a:off x="11260903" y="2244157"/>
+            <a:ext cx="599078" cy="651429"/>
+          </a:xfrm>
+          <a:prstGeom prst="rect">
+            <a:avLst/>
+          </a:prstGeom>
+        </p:spPr>
+        <p:style>
+          <a:lnRef idx="2">
+            <a:schemeClr val="accent1">
+              <a:shade val="50000"/>
+            </a:schemeClr>
+          </a:lnRef>
+          <a:fillRef idx="1">
+            <a:schemeClr val="accent1"/>
+          </a:fillRef>
+          <a:effectRef idx="0">
+            <a:schemeClr val="accent1"/>
+          </a:effectRef>
+          <a:fontRef idx="minor">
+            <a:schemeClr val="lt1"/>
+          </a:fontRef>
+        </p:style>
+        <p:txBody>
+          <a:bodyPr rtlCol="0" anchor="ctr"/>
+          <a:lstStyle/>
+          <a:p>
+            <a:pPr algn="ctr"/>
+            <a:r>
+              <a:rPr lang="en-US" altLang="zh-CN" sz="2400" dirty="0"/>
+              <a:t>U.</a:t>
+            </a:r>
+            <a:endParaRPr lang="en-US" sz="2400" dirty="0"/>
+          </a:p>
+        </p:txBody>
+      </p:sp>
+      <p:sp>
+        <p:nvSpPr>
+          <p:cNvPr id="56" name="Rectangle 55">
+            <a:extLst>
+              <a:ext uri="{FF2B5EF4-FFF2-40B4-BE49-F238E27FC236}">
+                <a16:creationId xmlns:a16="http://schemas.microsoft.com/office/drawing/2014/main" id="{97D11D66-8333-456F-8452-AE65690B557E}"/>
+              </a:ext>
+            </a:extLst>
+          </p:cNvPr>
+          <p:cNvSpPr/>
+          <p:nvPr/>
+        </p:nvSpPr>
+        <p:spPr>
+          <a:xfrm>
+            <a:off x="10686903" y="2244156"/>
+            <a:ext cx="599078" cy="651429"/>
+          </a:xfrm>
+          <a:prstGeom prst="rect">
+            <a:avLst/>
+          </a:prstGeom>
+        </p:spPr>
+        <p:style>
+          <a:lnRef idx="2">
+            <a:schemeClr val="accent1">
+              <a:shade val="50000"/>
+            </a:schemeClr>
+          </a:lnRef>
+          <a:fillRef idx="1">
+            <a:schemeClr val="accent1"/>
+          </a:fillRef>
+          <a:effectRef idx="0">
+            <a:schemeClr val="accent1"/>
+          </a:effectRef>
+          <a:fontRef idx="minor">
+            <a:schemeClr val="lt1"/>
+          </a:fontRef>
+        </p:style>
+        <p:txBody>
+          <a:bodyPr rtlCol="0" anchor="ctr"/>
+          <a:lstStyle/>
+          <a:p>
+            <a:pPr algn="ctr"/>
+            <a:endParaRPr lang="en-US" sz="2400" dirty="0"/>
+          </a:p>
+        </p:txBody>
+      </p:sp>
+      <p:sp>
+        <p:nvSpPr>
+          <p:cNvPr id="58" name="Rectangle 57">
+            <a:extLst>
+              <a:ext uri="{FF2B5EF4-FFF2-40B4-BE49-F238E27FC236}">
+                <a16:creationId xmlns:a16="http://schemas.microsoft.com/office/drawing/2014/main" id="{0BFF92F9-366E-481C-A97D-8A718C4B6775}"/>
+              </a:ext>
+            </a:extLst>
+          </p:cNvPr>
+          <p:cNvSpPr/>
+          <p:nvPr/>
+        </p:nvSpPr>
+        <p:spPr>
+          <a:xfrm>
+            <a:off x="8620238" y="3070586"/>
+            <a:ext cx="2062787" cy="651429"/>
+          </a:xfrm>
+          <a:prstGeom prst="rect">
+            <a:avLst/>
+          </a:prstGeom>
+        </p:spPr>
+        <p:style>
+          <a:lnRef idx="2">
+            <a:schemeClr val="accent1">
+              <a:shade val="50000"/>
+            </a:schemeClr>
+          </a:lnRef>
+          <a:fillRef idx="1">
+            <a:schemeClr val="accent1"/>
+          </a:fillRef>
+          <a:effectRef idx="0">
+            <a:schemeClr val="accent1"/>
+          </a:effectRef>
+          <a:fontRef idx="minor">
+            <a:schemeClr val="lt1"/>
+          </a:fontRef>
+        </p:style>
+        <p:txBody>
+          <a:bodyPr rtlCol="0" anchor="ctr"/>
+          <a:lstStyle/>
+          <a:p>
+            <a:pPr algn="ctr"/>
+            <a:r>
+              <a:rPr lang="en-US" sz="2400" dirty="0"/>
+              <a:t>…</a:t>
+            </a:r>
+          </a:p>
+        </p:txBody>
+      </p:sp>
+      <p:sp>
+        <p:nvSpPr>
+          <p:cNvPr id="59" name="Rectangle 58">
+            <a:extLst>
+              <a:ext uri="{FF2B5EF4-FFF2-40B4-BE49-F238E27FC236}">
+                <a16:creationId xmlns:a16="http://schemas.microsoft.com/office/drawing/2014/main" id="{972CF1D9-34C9-47C1-A233-CE7AB1F37ECC}"/>
+              </a:ext>
+            </a:extLst>
+          </p:cNvPr>
+          <p:cNvSpPr/>
+          <p:nvPr/>
+        </p:nvSpPr>
+        <p:spPr>
+          <a:xfrm>
+            <a:off x="11260903" y="3070585"/>
+            <a:ext cx="599078" cy="651429"/>
+          </a:xfrm>
+          <a:prstGeom prst="rect">
+            <a:avLst/>
+          </a:prstGeom>
+        </p:spPr>
+        <p:style>
+          <a:lnRef idx="2">
+            <a:schemeClr val="accent1">
+              <a:shade val="50000"/>
+            </a:schemeClr>
+          </a:lnRef>
+          <a:fillRef idx="1">
+            <a:schemeClr val="accent1"/>
+          </a:fillRef>
+          <a:effectRef idx="0">
+            <a:schemeClr val="accent1"/>
+          </a:effectRef>
+          <a:fontRef idx="minor">
+            <a:schemeClr val="lt1"/>
+          </a:fontRef>
+        </p:style>
+        <p:txBody>
+          <a:bodyPr rtlCol="0" anchor="ctr"/>
+          <a:lstStyle/>
+          <a:p>
+            <a:pPr algn="ctr"/>
+            <a:r>
+              <a:rPr lang="en-US" altLang="zh-CN" sz="2400" dirty="0"/>
+              <a:t>U.</a:t>
+            </a:r>
+            <a:endParaRPr lang="en-US" sz="2400" dirty="0"/>
+          </a:p>
+        </p:txBody>
+      </p:sp>
+      <p:sp>
+        <p:nvSpPr>
+          <p:cNvPr id="60" name="Rectangle 59">
+            <a:extLst>
+              <a:ext uri="{FF2B5EF4-FFF2-40B4-BE49-F238E27FC236}">
+                <a16:creationId xmlns:a16="http://schemas.microsoft.com/office/drawing/2014/main" id="{1288D1AE-C170-4324-8C05-FBFFD977CAD7}"/>
+              </a:ext>
+            </a:extLst>
+          </p:cNvPr>
+          <p:cNvSpPr/>
+          <p:nvPr/>
+        </p:nvSpPr>
+        <p:spPr>
+          <a:xfrm>
+            <a:off x="10686903" y="3070584"/>
+            <a:ext cx="599078" cy="651429"/>
+          </a:xfrm>
+          <a:prstGeom prst="rect">
+            <a:avLst/>
+          </a:prstGeom>
+        </p:spPr>
+        <p:style>
+          <a:lnRef idx="2">
+            <a:schemeClr val="accent1">
+              <a:shade val="50000"/>
+            </a:schemeClr>
+          </a:lnRef>
+          <a:fillRef idx="1">
+            <a:schemeClr val="accent1"/>
+          </a:fillRef>
+          <a:effectRef idx="0">
+            <a:schemeClr val="accent1"/>
+          </a:effectRef>
+          <a:fontRef idx="minor">
+            <a:schemeClr val="lt1"/>
+          </a:fontRef>
+        </p:style>
+        <p:txBody>
+          <a:bodyPr rtlCol="0" anchor="ctr"/>
+          <a:lstStyle/>
+          <a:p>
+            <a:pPr algn="ctr"/>
+            <a:endParaRPr lang="en-US" sz="2400" dirty="0"/>
+          </a:p>
+        </p:txBody>
+      </p:sp>
+      <p:sp>
+        <p:nvSpPr>
+          <p:cNvPr id="61" name="Rectangle 60">
+            <a:extLst>
+              <a:ext uri="{FF2B5EF4-FFF2-40B4-BE49-F238E27FC236}">
+                <a16:creationId xmlns:a16="http://schemas.microsoft.com/office/drawing/2014/main" id="{E9C72BC2-195C-49A8-A504-44EC36CAD368}"/>
+              </a:ext>
+            </a:extLst>
+          </p:cNvPr>
+          <p:cNvSpPr/>
+          <p:nvPr/>
+        </p:nvSpPr>
+        <p:spPr>
+          <a:xfrm>
+            <a:off x="8620238" y="3967601"/>
+            <a:ext cx="2062787" cy="651429"/>
+          </a:xfrm>
+          <a:prstGeom prst="rect">
+            <a:avLst/>
+          </a:prstGeom>
+        </p:spPr>
+        <p:style>
+          <a:lnRef idx="2">
+            <a:schemeClr val="accent1">
+              <a:shade val="50000"/>
+            </a:schemeClr>
+          </a:lnRef>
+          <a:fillRef idx="1">
+            <a:schemeClr val="accent1"/>
+          </a:fillRef>
+          <a:effectRef idx="0">
+            <a:schemeClr val="accent1"/>
+          </a:effectRef>
+          <a:fontRef idx="minor">
+            <a:schemeClr val="lt1"/>
+          </a:fontRef>
+        </p:style>
+        <p:txBody>
+          <a:bodyPr rtlCol="0" anchor="ctr"/>
+          <a:lstStyle/>
+          <a:p>
+            <a:pPr algn="ctr"/>
+            <a:r>
+              <a:rPr lang="en-US" sz="2400" dirty="0"/>
+              <a:t>…</a:t>
+            </a:r>
+          </a:p>
+        </p:txBody>
+      </p:sp>
+      <p:sp>
+        <p:nvSpPr>
+          <p:cNvPr id="62" name="Rectangle 61">
+            <a:extLst>
+              <a:ext uri="{FF2B5EF4-FFF2-40B4-BE49-F238E27FC236}">
+                <a16:creationId xmlns:a16="http://schemas.microsoft.com/office/drawing/2014/main" id="{0B8D5B00-7708-4BFB-8C5E-86209F40B7F5}"/>
+              </a:ext>
+            </a:extLst>
+          </p:cNvPr>
+          <p:cNvSpPr/>
+          <p:nvPr/>
+        </p:nvSpPr>
+        <p:spPr>
+          <a:xfrm>
+            <a:off x="11260903" y="3967600"/>
+            <a:ext cx="599078" cy="651429"/>
+          </a:xfrm>
+          <a:prstGeom prst="rect">
+            <a:avLst/>
+          </a:prstGeom>
+        </p:spPr>
+        <p:style>
+          <a:lnRef idx="2">
+            <a:schemeClr val="accent1">
+              <a:shade val="50000"/>
+            </a:schemeClr>
+          </a:lnRef>
+          <a:fillRef idx="1">
+            <a:schemeClr val="accent1"/>
+          </a:fillRef>
+          <a:effectRef idx="0">
+            <a:schemeClr val="accent1"/>
+          </a:effectRef>
+          <a:fontRef idx="minor">
+            <a:schemeClr val="lt1"/>
+          </a:fontRef>
+        </p:style>
+        <p:txBody>
+          <a:bodyPr rtlCol="0" anchor="ctr"/>
+          <a:lstStyle/>
+          <a:p>
+            <a:pPr algn="ctr"/>
+            <a:r>
+              <a:rPr lang="en-US" altLang="zh-CN" sz="2400" dirty="0"/>
+              <a:t>U.</a:t>
+            </a:r>
+            <a:endParaRPr lang="en-US" sz="2400" dirty="0"/>
+          </a:p>
+        </p:txBody>
+      </p:sp>
+      <p:sp>
+        <p:nvSpPr>
+          <p:cNvPr id="63" name="Rectangle 62">
+            <a:extLst>
+              <a:ext uri="{FF2B5EF4-FFF2-40B4-BE49-F238E27FC236}">
+                <a16:creationId xmlns:a16="http://schemas.microsoft.com/office/drawing/2014/main" id="{6F286953-E79B-4482-BF2E-FB2A43EBE0BA}"/>
+              </a:ext>
+            </a:extLst>
+          </p:cNvPr>
+          <p:cNvSpPr/>
+          <p:nvPr/>
+        </p:nvSpPr>
+        <p:spPr>
+          <a:xfrm>
+            <a:off x="10686903" y="3967599"/>
+            <a:ext cx="599078" cy="651429"/>
+          </a:xfrm>
+          <a:prstGeom prst="rect">
+            <a:avLst/>
+          </a:prstGeom>
+        </p:spPr>
+        <p:style>
+          <a:lnRef idx="2">
+            <a:schemeClr val="accent1">
+              <a:shade val="50000"/>
+            </a:schemeClr>
+          </a:lnRef>
+          <a:fillRef idx="1">
+            <a:schemeClr val="accent1"/>
+          </a:fillRef>
+          <a:effectRef idx="0">
+            <a:schemeClr val="accent1"/>
+          </a:effectRef>
+          <a:fontRef idx="minor">
+            <a:schemeClr val="lt1"/>
+          </a:fontRef>
+        </p:style>
+        <p:txBody>
+          <a:bodyPr rtlCol="0" anchor="ctr"/>
+          <a:lstStyle/>
+          <a:p>
+            <a:pPr algn="ctr"/>
+            <a:endParaRPr lang="en-US" sz="2400" dirty="0"/>
+          </a:p>
+        </p:txBody>
+      </p:sp>
+      <p:sp>
+        <p:nvSpPr>
+          <p:cNvPr id="64" name="TextBox 63">
+            <a:extLst>
+              <a:ext uri="{FF2B5EF4-FFF2-40B4-BE49-F238E27FC236}">
+                <a16:creationId xmlns:a16="http://schemas.microsoft.com/office/drawing/2014/main" id="{9EA32126-0B1C-40C2-AEA3-5080FB307B68}"/>
+              </a:ext>
+            </a:extLst>
+          </p:cNvPr>
+          <p:cNvSpPr txBox="1"/>
+          <p:nvPr/>
+        </p:nvSpPr>
+        <p:spPr>
+          <a:xfrm flipH="1">
+            <a:off x="8489673" y="5511140"/>
+            <a:ext cx="3409110" cy="461665"/>
+          </a:xfrm>
+          <a:prstGeom prst="rect">
+            <a:avLst/>
+          </a:prstGeom>
+          <a:noFill/>
+        </p:spPr>
+        <p:txBody>
+          <a:bodyPr wrap="square" rtlCol="0">
+            <a:spAutoFit/>
+          </a:bodyPr>
+          <a:lstStyle/>
+          <a:p>
+            <a:pPr algn="ctr"/>
+            <a:r>
+              <a:rPr lang="en-US" sz="2400" dirty="0"/>
+              <a:t>21. </a:t>
+            </a:r>
+            <a:r>
+              <a:rPr lang="en-US" altLang="zh-CN" sz="2400" dirty="0"/>
+              <a:t>Shopping List</a:t>
             </a:r>
             <a:endParaRPr lang="en-US" sz="2400" dirty="0"/>
           </a:p>
